--- a/C++11 presentation.pptx
+++ b/C++11 presentation.pptx
@@ -273,7 +273,7 @@
           <a:p>
             <a:fld id="{6AC53A5F-C155-4D61-97BA-5EEB8882CE26}" type="datetimeFigureOut">
               <a:rPr lang="ru-RU" smtClean="0"/>
-              <a:t>16.10.2016</a:t>
+              <a:t>17.10.2016</a:t>
             </a:fld>
             <a:endParaRPr lang="ru-RU"/>
           </a:p>
@@ -443,7 +443,7 @@
           <a:p>
             <a:fld id="{6AC53A5F-C155-4D61-97BA-5EEB8882CE26}" type="datetimeFigureOut">
               <a:rPr lang="ru-RU" smtClean="0"/>
-              <a:t>16.10.2016</a:t>
+              <a:t>17.10.2016</a:t>
             </a:fld>
             <a:endParaRPr lang="ru-RU"/>
           </a:p>
@@ -623,7 +623,7 @@
           <a:p>
             <a:fld id="{6AC53A5F-C155-4D61-97BA-5EEB8882CE26}" type="datetimeFigureOut">
               <a:rPr lang="ru-RU" smtClean="0"/>
-              <a:t>16.10.2016</a:t>
+              <a:t>17.10.2016</a:t>
             </a:fld>
             <a:endParaRPr lang="ru-RU"/>
           </a:p>
@@ -793,7 +793,7 @@
           <a:p>
             <a:fld id="{6AC53A5F-C155-4D61-97BA-5EEB8882CE26}" type="datetimeFigureOut">
               <a:rPr lang="ru-RU" smtClean="0"/>
-              <a:t>16.10.2016</a:t>
+              <a:t>17.10.2016</a:t>
             </a:fld>
             <a:endParaRPr lang="ru-RU"/>
           </a:p>
@@ -1039,7 +1039,7 @@
           <a:p>
             <a:fld id="{6AC53A5F-C155-4D61-97BA-5EEB8882CE26}" type="datetimeFigureOut">
               <a:rPr lang="ru-RU" smtClean="0"/>
-              <a:t>16.10.2016</a:t>
+              <a:t>17.10.2016</a:t>
             </a:fld>
             <a:endParaRPr lang="ru-RU"/>
           </a:p>
@@ -1271,7 +1271,7 @@
           <a:p>
             <a:fld id="{6AC53A5F-C155-4D61-97BA-5EEB8882CE26}" type="datetimeFigureOut">
               <a:rPr lang="ru-RU" smtClean="0"/>
-              <a:t>16.10.2016</a:t>
+              <a:t>17.10.2016</a:t>
             </a:fld>
             <a:endParaRPr lang="ru-RU"/>
           </a:p>
@@ -1638,7 +1638,7 @@
           <a:p>
             <a:fld id="{6AC53A5F-C155-4D61-97BA-5EEB8882CE26}" type="datetimeFigureOut">
               <a:rPr lang="ru-RU" smtClean="0"/>
-              <a:t>16.10.2016</a:t>
+              <a:t>17.10.2016</a:t>
             </a:fld>
             <a:endParaRPr lang="ru-RU"/>
           </a:p>
@@ -1756,7 +1756,7 @@
           <a:p>
             <a:fld id="{6AC53A5F-C155-4D61-97BA-5EEB8882CE26}" type="datetimeFigureOut">
               <a:rPr lang="ru-RU" smtClean="0"/>
-              <a:t>16.10.2016</a:t>
+              <a:t>17.10.2016</a:t>
             </a:fld>
             <a:endParaRPr lang="ru-RU"/>
           </a:p>
@@ -1851,7 +1851,7 @@
           <a:p>
             <a:fld id="{6AC53A5F-C155-4D61-97BA-5EEB8882CE26}" type="datetimeFigureOut">
               <a:rPr lang="ru-RU" smtClean="0"/>
-              <a:t>16.10.2016</a:t>
+              <a:t>17.10.2016</a:t>
             </a:fld>
             <a:endParaRPr lang="ru-RU"/>
           </a:p>
@@ -2128,7 +2128,7 @@
           <a:p>
             <a:fld id="{6AC53A5F-C155-4D61-97BA-5EEB8882CE26}" type="datetimeFigureOut">
               <a:rPr lang="ru-RU" smtClean="0"/>
-              <a:t>16.10.2016</a:t>
+              <a:t>17.10.2016</a:t>
             </a:fld>
             <a:endParaRPr lang="ru-RU"/>
           </a:p>
@@ -2381,7 +2381,7 @@
           <a:p>
             <a:fld id="{6AC53A5F-C155-4D61-97BA-5EEB8882CE26}" type="datetimeFigureOut">
               <a:rPr lang="ru-RU" smtClean="0"/>
-              <a:t>16.10.2016</a:t>
+              <a:t>17.10.2016</a:t>
             </a:fld>
             <a:endParaRPr lang="ru-RU"/>
           </a:p>
@@ -2599,7 +2599,7 @@
           <a:p>
             <a:fld id="{6AC53A5F-C155-4D61-97BA-5EEB8882CE26}" type="datetimeFigureOut">
               <a:rPr lang="ru-RU" smtClean="0"/>
-              <a:t>16.10.2016</a:t>
+              <a:t>17.10.2016</a:t>
             </a:fld>
             <a:endParaRPr lang="ru-RU"/>
           </a:p>
@@ -3365,21 +3365,17 @@
           <a:p>
             <a:pPr marL="342900" indent="-342900">
               <a:buFont typeface="Wingdings" panose="05000000000000000000" pitchFamily="2" charset="2"/>
-              <a:buChar char="ü"/>
+              <a:buChar char="Ø"/>
             </a:pPr>
             <a:r>
               <a:rPr lang="ru-RU" sz="2400" dirty="0" smtClean="0"/>
-              <a:t>Меньше вероятность пересечения имен, более понятные </a:t>
-            </a:r>
-            <a:r>
-              <a:rPr lang="ru-RU" sz="2400" dirty="0" smtClean="0"/>
-              <a:t>имена;</a:t>
+              <a:t>Меньше вероятность пересечения имен, более понятные имена;</a:t>
             </a:r>
           </a:p>
           <a:p>
             <a:pPr marL="342900" indent="-342900">
               <a:buFont typeface="Wingdings" panose="05000000000000000000" pitchFamily="2" charset="2"/>
-              <a:buChar char="ü"/>
+              <a:buChar char="Ø"/>
             </a:pPr>
             <a:r>
               <a:rPr lang="ru-RU" sz="2400" dirty="0" smtClean="0"/>
@@ -3413,15 +3409,11 @@
           <a:p>
             <a:pPr marL="342900" indent="-342900">
               <a:buFont typeface="Wingdings" panose="05000000000000000000" pitchFamily="2" charset="2"/>
-              <a:buChar char="ü"/>
+              <a:buChar char="Ø"/>
             </a:pPr>
             <a:r>
               <a:rPr lang="ru-RU" sz="2400" dirty="0" smtClean="0"/>
-              <a:t>Запрещены </a:t>
-            </a:r>
-            <a:r>
-              <a:rPr lang="ru-RU" sz="2400" dirty="0" smtClean="0"/>
-              <a:t>неявные преобразования; </a:t>
+              <a:t>Запрещены неявные преобразования; </a:t>
             </a:r>
             <a:r>
               <a:rPr lang="en-US" sz="2400" dirty="0" smtClean="0"/>
@@ -3604,11 +3596,7 @@
           <a:p>
             <a:r>
               <a:rPr lang="ru-RU" sz="2800" b="1" dirty="0" smtClean="0"/>
-              <a:t>Плюсы</a:t>
-            </a:r>
-            <a:r>
-              <a:rPr lang="ru-RU" sz="2800" b="1" dirty="0" smtClean="0"/>
-              <a:t>:</a:t>
+              <a:t>Плюсы:</a:t>
             </a:r>
           </a:p>
           <a:p>
@@ -3618,15 +3606,7 @@
             </a:pPr>
             <a:r>
               <a:rPr lang="ru-RU" sz="2400" dirty="0" smtClean="0"/>
-              <a:t>Понятнее </a:t>
-            </a:r>
-            <a:r>
-              <a:rPr lang="ru-RU" sz="2400" dirty="0" smtClean="0"/>
-              <a:t>намерения разработчика относительно запрещенных </a:t>
-            </a:r>
-            <a:r>
-              <a:rPr lang="ru-RU" sz="2400" dirty="0" smtClean="0"/>
-              <a:t>функций;</a:t>
+              <a:t>Понятнее намерения разработчика относительно запрещенных функций;</a:t>
             </a:r>
           </a:p>
           <a:p>
@@ -3733,13 +3713,8 @@
           <a:p>
             <a:r>
               <a:rPr lang="ru-RU" sz="2800" dirty="0" smtClean="0"/>
-              <a:t>Какой вариант </a:t>
-            </a:r>
-            <a:r>
-              <a:rPr lang="ru-RU" sz="2800" dirty="0" smtClean="0"/>
-              <a:t>использовать?</a:t>
-            </a:r>
-            <a:endParaRPr lang="ru-RU" sz="2800" dirty="0" smtClean="0"/>
+              <a:t>Какой вариант использовать?</a:t>
+            </a:r>
           </a:p>
           <a:p>
             <a:endParaRPr lang="ru-RU" sz="2800" dirty="0"/>
@@ -4704,7 +4679,6 @@
               <a:rPr lang="ru-RU" sz="2800" dirty="0" smtClean="0"/>
               <a:t>.</a:t>
             </a:r>
-            <a:endParaRPr lang="ru-RU" sz="2800" dirty="0" smtClean="0"/>
           </a:p>
         </p:txBody>
       </p:sp>
@@ -5966,7 +5940,7 @@
           <a:p>
             <a:pPr marL="457200" indent="-457200">
               <a:buFont typeface="Wingdings" panose="05000000000000000000" pitchFamily="2" charset="2"/>
-              <a:buChar char="ü"/>
+              <a:buChar char="Ø"/>
             </a:pPr>
             <a:r>
               <a:rPr lang="ru-RU" sz="2800" dirty="0" smtClean="0"/>
@@ -5976,7 +5950,7 @@
           <a:p>
             <a:pPr marL="457200" indent="-457200">
               <a:buFont typeface="Wingdings" panose="05000000000000000000" pitchFamily="2" charset="2"/>
-              <a:buChar char="ü"/>
+              <a:buChar char="Ø"/>
             </a:pPr>
             <a:r>
               <a:rPr lang="ru-RU" sz="2800" dirty="0" smtClean="0"/>
@@ -5994,7 +5968,7 @@
           <a:p>
             <a:pPr marL="457200" indent="-457200">
               <a:buFont typeface="Wingdings" panose="05000000000000000000" pitchFamily="2" charset="2"/>
-              <a:buChar char="ü"/>
+              <a:buChar char="Ø"/>
             </a:pPr>
             <a:r>
               <a:rPr lang="ru-RU" sz="2800" dirty="0" smtClean="0"/>
@@ -6004,7 +5978,7 @@
           <a:p>
             <a:pPr marL="457200" indent="-457200">
               <a:buFont typeface="Wingdings" panose="05000000000000000000" pitchFamily="2" charset="2"/>
-              <a:buChar char="ü"/>
+              <a:buChar char="Ø"/>
             </a:pPr>
             <a:r>
               <a:rPr lang="ru-RU" sz="2800" dirty="0" smtClean="0"/>
@@ -6146,7 +6120,7 @@
           <a:p>
             <a:pPr marL="457200" indent="-457200">
               <a:buFont typeface="Wingdings" panose="05000000000000000000" pitchFamily="2" charset="2"/>
-              <a:buChar char="ü"/>
+              <a:buChar char="Ø"/>
             </a:pPr>
             <a:r>
               <a:rPr lang="ru-RU" sz="2800" dirty="0" smtClean="0"/>
@@ -6196,7 +6170,7 @@
           <a:p>
             <a:pPr marL="457200" indent="-457200">
               <a:buFont typeface="Wingdings" panose="05000000000000000000" pitchFamily="2" charset="2"/>
-              <a:buChar char="ü"/>
+              <a:buChar char="Ø"/>
             </a:pPr>
             <a:r>
               <a:rPr lang="ru-RU" sz="2800" dirty="0"/>
@@ -6223,7 +6197,7 @@
           <a:p>
             <a:pPr marL="457200" indent="-457200">
               <a:buFont typeface="Wingdings" panose="05000000000000000000" pitchFamily="2" charset="2"/>
-              <a:buChar char="ü"/>
+              <a:buChar char="Ø"/>
             </a:pPr>
             <a:r>
               <a:rPr lang="ru-RU" sz="2800" dirty="0" smtClean="0"/>
@@ -8518,10 +8492,6 @@
               <a:rPr lang="ru-RU" sz="2400" dirty="0" smtClean="0"/>
               <a:t>  </a:t>
             </a:r>
-            <a:r>
-              <a:rPr lang="ru-RU" sz="2400" dirty="0" smtClean="0"/>
-              <a:t/>
-            </a:r>
             <a:br>
               <a:rPr lang="ru-RU" sz="2400" dirty="0" smtClean="0"/>
             </a:br>
@@ -8539,11 +8509,7 @@
             </a:r>
             <a:r>
               <a:rPr lang="en-US" sz="2400" dirty="0" smtClean="0"/>
-              <a:t>– compiler </a:t>
-            </a:r>
-            <a:r>
-              <a:rPr lang="en-US" sz="2400" dirty="0" smtClean="0"/>
-              <a:t>error</a:t>
+              <a:t>– compiler error</a:t>
             </a:r>
             <a:r>
               <a:rPr lang="ru-RU" sz="2400" dirty="0" smtClean="0"/>
@@ -8561,11 +8527,7 @@
             </a:pPr>
             <a:r>
               <a:rPr lang="ru-RU" sz="2400" dirty="0" smtClean="0"/>
-              <a:t>может </a:t>
-            </a:r>
-            <a:r>
-              <a:rPr lang="ru-RU" sz="2400" dirty="0" smtClean="0"/>
-              <a:t>единообразно применяться и в коде и в объявлении класса:</a:t>
+              <a:t>может единообразно применяться и в коде и в объявлении класса:</a:t>
             </a:r>
             <a:br>
               <a:rPr lang="ru-RU" sz="2400" dirty="0" smtClean="0"/>
@@ -8634,11 +8596,7 @@
             </a:pPr>
             <a:r>
               <a:rPr lang="ru-RU" sz="2400" dirty="0" smtClean="0"/>
-              <a:t>не </a:t>
-            </a:r>
-            <a:r>
-              <a:rPr lang="ru-RU" sz="2400" dirty="0" smtClean="0"/>
-              <a:t>пересекается с объявлением функций: </a:t>
+              <a:t>не пересекается с объявлением функций: </a:t>
             </a:r>
             <a:br>
               <a:rPr lang="ru-RU" sz="2400" dirty="0" smtClean="0"/>
